--- a/OOP with C++/8.Inheritance, Part-02.pptx
+++ b/OOP with C++/8.Inheritance, Part-02.pptx
@@ -17,9 +17,12 @@
     <p:sldId id="310" r:id="rId11"/>
     <p:sldId id="311" r:id="rId12"/>
     <p:sldId id="312" r:id="rId13"/>
-    <p:sldId id="307" r:id="rId14"/>
-    <p:sldId id="313" r:id="rId15"/>
-    <p:sldId id="262" r:id="rId16"/>
+    <p:sldId id="319" r:id="rId14"/>
+    <p:sldId id="320" r:id="rId15"/>
+    <p:sldId id="321" r:id="rId16"/>
+    <p:sldId id="307" r:id="rId17"/>
+    <p:sldId id="313" r:id="rId18"/>
+    <p:sldId id="262" r:id="rId19"/>
   </p:sldIdLst>
   <p:sldSz cx="12192000" cy="6858000"/>
   <p:notesSz cx="6858000" cy="9144000"/>
@@ -255,7 +258,7 @@
           <a:p>
             <a:fld id="{EEE2597E-5B9C-4223-A3DC-E2371CBFDE86}" type="datetimeFigureOut">
               <a:rPr lang="en-US" smtClean="0"/>
-              <a:t>9/12/2022</a:t>
+              <a:t>12/20/2022</a:t>
             </a:fld>
             <a:endParaRPr lang="en-US"/>
           </a:p>
@@ -423,7 +426,7 @@
           <a:p>
             <a:fld id="{EEE2597E-5B9C-4223-A3DC-E2371CBFDE86}" type="datetimeFigureOut">
               <a:rPr lang="en-US" smtClean="0"/>
-              <a:t>9/12/2022</a:t>
+              <a:t>12/20/2022</a:t>
             </a:fld>
             <a:endParaRPr lang="en-US"/>
           </a:p>
@@ -601,7 +604,7 @@
           <a:p>
             <a:fld id="{EEE2597E-5B9C-4223-A3DC-E2371CBFDE86}" type="datetimeFigureOut">
               <a:rPr lang="en-US" smtClean="0"/>
-              <a:t>9/12/2022</a:t>
+              <a:t>12/20/2022</a:t>
             </a:fld>
             <a:endParaRPr lang="en-US"/>
           </a:p>
@@ -769,7 +772,7 @@
           <a:p>
             <a:fld id="{EEE2597E-5B9C-4223-A3DC-E2371CBFDE86}" type="datetimeFigureOut">
               <a:rPr lang="en-US" smtClean="0"/>
-              <a:t>9/12/2022</a:t>
+              <a:t>12/20/2022</a:t>
             </a:fld>
             <a:endParaRPr lang="en-US"/>
           </a:p>
@@ -1014,7 +1017,7 @@
           <a:p>
             <a:fld id="{EEE2597E-5B9C-4223-A3DC-E2371CBFDE86}" type="datetimeFigureOut">
               <a:rPr lang="en-US" smtClean="0"/>
-              <a:t>9/12/2022</a:t>
+              <a:t>12/20/2022</a:t>
             </a:fld>
             <a:endParaRPr lang="en-US"/>
           </a:p>
@@ -1243,7 +1246,7 @@
           <a:p>
             <a:fld id="{EEE2597E-5B9C-4223-A3DC-E2371CBFDE86}" type="datetimeFigureOut">
               <a:rPr lang="en-US" smtClean="0"/>
-              <a:t>9/12/2022</a:t>
+              <a:t>12/20/2022</a:t>
             </a:fld>
             <a:endParaRPr lang="en-US"/>
           </a:p>
@@ -1607,7 +1610,7 @@
           <a:p>
             <a:fld id="{EEE2597E-5B9C-4223-A3DC-E2371CBFDE86}" type="datetimeFigureOut">
               <a:rPr lang="en-US" smtClean="0"/>
-              <a:t>9/12/2022</a:t>
+              <a:t>12/20/2022</a:t>
             </a:fld>
             <a:endParaRPr lang="en-US"/>
           </a:p>
@@ -1724,7 +1727,7 @@
           <a:p>
             <a:fld id="{EEE2597E-5B9C-4223-A3DC-E2371CBFDE86}" type="datetimeFigureOut">
               <a:rPr lang="en-US" smtClean="0"/>
-              <a:t>9/12/2022</a:t>
+              <a:t>12/20/2022</a:t>
             </a:fld>
             <a:endParaRPr lang="en-US"/>
           </a:p>
@@ -1819,7 +1822,7 @@
           <a:p>
             <a:fld id="{EEE2597E-5B9C-4223-A3DC-E2371CBFDE86}" type="datetimeFigureOut">
               <a:rPr lang="en-US" smtClean="0"/>
-              <a:t>9/12/2022</a:t>
+              <a:t>12/20/2022</a:t>
             </a:fld>
             <a:endParaRPr lang="en-US"/>
           </a:p>
@@ -2094,7 +2097,7 @@
           <a:p>
             <a:fld id="{EEE2597E-5B9C-4223-A3DC-E2371CBFDE86}" type="datetimeFigureOut">
               <a:rPr lang="en-US" smtClean="0"/>
-              <a:t>9/12/2022</a:t>
+              <a:t>12/20/2022</a:t>
             </a:fld>
             <a:endParaRPr lang="en-US"/>
           </a:p>
@@ -2346,7 +2349,7 @@
           <a:p>
             <a:fld id="{EEE2597E-5B9C-4223-A3DC-E2371CBFDE86}" type="datetimeFigureOut">
               <a:rPr lang="en-US" smtClean="0"/>
-              <a:t>9/12/2022</a:t>
+              <a:t>12/20/2022</a:t>
             </a:fld>
             <a:endParaRPr lang="en-US"/>
           </a:p>
@@ -2566,7 +2569,7 @@
           <a:p>
             <a:fld id="{EEE2597E-5B9C-4223-A3DC-E2371CBFDE86}" type="datetimeFigureOut">
               <a:rPr lang="en-US" smtClean="0"/>
-              <a:t>9/12/2022</a:t>
+              <a:t>12/20/2022</a:t>
             </a:fld>
             <a:endParaRPr lang="en-US"/>
           </a:p>
@@ -3872,7 +3875,7 @@
         </p:spPr>
         <p:txBody>
           <a:bodyPr>
-            <a:normAutofit/>
+            <a:normAutofit fontScale="90000"/>
           </a:bodyPr>
           <a:lstStyle/>
           <a:p>
@@ -3885,7 +3888,7 @@
                 <a:latin typeface="Bookman Old Style" panose="02050604050505020204" pitchFamily="18" charset="0"/>
                 <a:cs typeface="Times New Roman" panose="02020603050405020304" pitchFamily="18" charset="0"/>
               </a:rPr>
-              <a:t>Practice Example (1)</a:t>
+              <a:t>Special Case of Constructor in Inheritance (Solution)</a:t>
             </a:r>
           </a:p>
         </p:txBody>
@@ -3902,10 +3905,805 @@
           <p:cNvGraphicFramePr>
             <a:graphicFrameLocks noGrp="1"/>
           </p:cNvGraphicFramePr>
+          <p:nvPr/>
+        </p:nvGraphicFramePr>
+        <p:xfrm>
+          <a:off x="838200" y="1259174"/>
+          <a:ext cx="10329472" cy="4571999"/>
+        </p:xfrm>
+        <a:graphic>
+          <a:graphicData uri="http://schemas.openxmlformats.org/drawingml/2006/table">
+            <a:tbl>
+              <a:tblPr firstRow="1" firstCol="1" lastRow="1" lastCol="1" bandRow="1" bandCol="1">
+                <a:tableStyleId>{2D5ABB26-0587-4C30-8999-92F81FD0307C}</a:tableStyleId>
+              </a:tblPr>
+              <a:tblGrid>
+                <a:gridCol w="10329472">
+                  <a:extLst>
+                    <a:ext uri="{9D8B030D-6E8A-4147-A177-3AD203B41FA5}">
+                      <a16:colId xmlns:a16="http://schemas.microsoft.com/office/drawing/2014/main" val="4125567942"/>
+                    </a:ext>
+                  </a:extLst>
+                </a:gridCol>
+              </a:tblGrid>
+              <a:tr h="542196">
+                <a:tc>
+                  <a:txBody>
+                    <a:bodyPr/>
+                    <a:lstStyle/>
+                    <a:p>
+                      <a:pPr marL="0" marR="0" algn="just">
+                        <a:lnSpc>
+                          <a:spcPct val="107000"/>
+                        </a:lnSpc>
+                        <a:spcBef>
+                          <a:spcPts val="0"/>
+                        </a:spcBef>
+                        <a:spcAft>
+                          <a:spcPts val="0"/>
+                        </a:spcAft>
+                      </a:pPr>
+                      <a:endParaRPr lang="en-US" sz="1800" b="0" dirty="0">
+                        <a:effectLst/>
+                        <a:latin typeface="Bookman Old Style" panose="02050604050505020204" pitchFamily="18" charset="0"/>
+                        <a:ea typeface="Times New Roman" panose="02020603050405020304" pitchFamily="18" charset="0"/>
+                        <a:cs typeface="Times New Roman" panose="02020603050405020304" pitchFamily="18" charset="0"/>
+                      </a:endParaRPr>
+                    </a:p>
+                  </a:txBody>
+                  <a:tcPr marL="68580" marR="68580" marT="0" marB="0"/>
+                </a:tc>
+                <a:extLst>
+                  <a:ext uri="{0D108BD9-81ED-4DB2-BD59-A6C34878D82A}">
+                    <a16:rowId xmlns:a16="http://schemas.microsoft.com/office/drawing/2014/main" val="275508148"/>
+                  </a:ext>
+                </a:extLst>
+              </a:tr>
+              <a:tr h="1625808">
+                <a:tc>
+                  <a:txBody>
+                    <a:bodyPr/>
+                    <a:lstStyle/>
+                    <a:p>
+                      <a:pPr marL="0" marR="0" algn="just">
+                        <a:lnSpc>
+                          <a:spcPct val="107000"/>
+                        </a:lnSpc>
+                        <a:spcBef>
+                          <a:spcPts val="0"/>
+                        </a:spcBef>
+                        <a:spcAft>
+                          <a:spcPts val="800"/>
+                        </a:spcAft>
+                      </a:pPr>
+                      <a:endParaRPr lang="en-US" sz="1800" b="0" dirty="0">
+                        <a:effectLst/>
+                        <a:latin typeface="Bookman Old Style" panose="02050604050505020204" pitchFamily="18" charset="0"/>
+                        <a:ea typeface="Times New Roman" panose="02020603050405020304" pitchFamily="18" charset="0"/>
+                        <a:cs typeface="Times New Roman" panose="02020603050405020304" pitchFamily="18" charset="0"/>
+                      </a:endParaRPr>
+                    </a:p>
+                  </a:txBody>
+                  <a:tcPr marL="68580" marR="68580" marT="0" marB="0"/>
+                </a:tc>
+                <a:extLst>
+                  <a:ext uri="{0D108BD9-81ED-4DB2-BD59-A6C34878D82A}">
+                    <a16:rowId xmlns:a16="http://schemas.microsoft.com/office/drawing/2014/main" val="3631895170"/>
+                  </a:ext>
+                </a:extLst>
+              </a:tr>
+              <a:tr h="1738928">
+                <a:tc>
+                  <a:txBody>
+                    <a:bodyPr/>
+                    <a:lstStyle/>
+                    <a:p>
+                      <a:pPr marL="0" marR="0" algn="just">
+                        <a:lnSpc>
+                          <a:spcPct val="115000"/>
+                        </a:lnSpc>
+                        <a:spcBef>
+                          <a:spcPts val="0"/>
+                        </a:spcBef>
+                        <a:spcAft>
+                          <a:spcPts val="0"/>
+                        </a:spcAft>
+                      </a:pPr>
+                      <a:endParaRPr lang="en-US" sz="1800" b="0" dirty="0">
+                        <a:effectLst/>
+                        <a:latin typeface="Bookman Old Style" panose="02050604050505020204" pitchFamily="18" charset="0"/>
+                        <a:ea typeface="Times New Roman" panose="02020603050405020304" pitchFamily="18" charset="0"/>
+                        <a:cs typeface="Times New Roman" panose="02020603050405020304" pitchFamily="18" charset="0"/>
+                      </a:endParaRPr>
+                    </a:p>
+                  </a:txBody>
+                  <a:tcPr marL="68580" marR="68580" marT="0" marB="0"/>
+                </a:tc>
+                <a:extLst>
+                  <a:ext uri="{0D108BD9-81ED-4DB2-BD59-A6C34878D82A}">
+                    <a16:rowId xmlns:a16="http://schemas.microsoft.com/office/drawing/2014/main" val="2720052037"/>
+                  </a:ext>
+                </a:extLst>
+              </a:tr>
+              <a:tr h="665067">
+                <a:tc>
+                  <a:txBody>
+                    <a:bodyPr/>
+                    <a:lstStyle/>
+                    <a:p>
+                      <a:pPr marL="0" marR="0" algn="just">
+                        <a:lnSpc>
+                          <a:spcPct val="107000"/>
+                        </a:lnSpc>
+                        <a:spcBef>
+                          <a:spcPts val="0"/>
+                        </a:spcBef>
+                        <a:spcAft>
+                          <a:spcPts val="800"/>
+                        </a:spcAft>
+                      </a:pPr>
+                      <a:endParaRPr lang="en-US" sz="1800" b="0" dirty="0">
+                        <a:effectLst/>
+                        <a:latin typeface="Bookman Old Style" panose="02050604050505020204" pitchFamily="18" charset="0"/>
+                        <a:ea typeface="Times New Roman" panose="02020603050405020304" pitchFamily="18" charset="0"/>
+                        <a:cs typeface="Times New Roman" panose="02020603050405020304" pitchFamily="18" charset="0"/>
+                      </a:endParaRPr>
+                    </a:p>
+                  </a:txBody>
+                  <a:tcPr marL="68580" marR="68580" marT="0" marB="0"/>
+                </a:tc>
+                <a:extLst>
+                  <a:ext uri="{0D108BD9-81ED-4DB2-BD59-A6C34878D82A}">
+                    <a16:rowId xmlns:a16="http://schemas.microsoft.com/office/drawing/2014/main" val="1424965394"/>
+                  </a:ext>
+                </a:extLst>
+              </a:tr>
+            </a:tbl>
+          </a:graphicData>
+        </a:graphic>
+      </p:graphicFrame>
+      <p:pic>
+        <p:nvPicPr>
+          <p:cNvPr id="6" name="Picture 5">
+            <a:extLst>
+              <a:ext uri="{FF2B5EF4-FFF2-40B4-BE49-F238E27FC236}">
+                <a16:creationId xmlns:a16="http://schemas.microsoft.com/office/drawing/2014/main" id="{AB30A5BB-B2C7-2DC0-4EFC-BB9F88CD6A2F}"/>
+              </a:ext>
+            </a:extLst>
+          </p:cNvPr>
+          <p:cNvPicPr>
+            <a:picLocks noChangeAspect="1"/>
+          </p:cNvPicPr>
+          <p:nvPr/>
+        </p:nvPicPr>
+        <p:blipFill>
+          <a:blip r:embed="rId2"/>
+          <a:stretch>
+            <a:fillRect/>
+          </a:stretch>
+        </p:blipFill>
+        <p:spPr>
+          <a:xfrm>
+            <a:off x="1954811" y="1819847"/>
+            <a:ext cx="8096250" cy="4905375"/>
+          </a:xfrm>
+          <a:prstGeom prst="rect">
+            <a:avLst/>
+          </a:prstGeom>
+        </p:spPr>
+      </p:pic>
+    </p:spTree>
+    <p:extLst>
+      <p:ext uri="{BB962C8B-B14F-4D97-AF65-F5344CB8AC3E}">
+        <p14:creationId xmlns:p14="http://schemas.microsoft.com/office/powerpoint/2010/main" val="4258325150"/>
+      </p:ext>
+    </p:extLst>
+  </p:cSld>
+  <p:clrMapOvr>
+    <a:masterClrMapping/>
+  </p:clrMapOvr>
+</p:sld>
+</file>
+
+<file path=ppt/slides/slide14.xml><?xml version="1.0" encoding="utf-8"?>
+<p:sld xmlns:a="http://schemas.openxmlformats.org/drawingml/2006/main" xmlns:r="http://schemas.openxmlformats.org/officeDocument/2006/relationships" xmlns:p="http://schemas.openxmlformats.org/presentationml/2006/main">
+  <p:cSld>
+    <p:spTree>
+      <p:nvGrpSpPr>
+        <p:cNvPr id="1" name=""/>
+        <p:cNvGrpSpPr/>
+        <p:nvPr/>
+      </p:nvGrpSpPr>
+      <p:grpSpPr>
+        <a:xfrm>
+          <a:off x="0" y="0"/>
+          <a:ext cx="0" cy="0"/>
+          <a:chOff x="0" y="0"/>
+          <a:chExt cx="0" cy="0"/>
+        </a:xfrm>
+      </p:grpSpPr>
+      <p:sp>
+        <p:nvSpPr>
+          <p:cNvPr id="2" name="Title 1"/>
+          <p:cNvSpPr>
+            <a:spLocks noGrp="1"/>
+          </p:cNvSpPr>
+          <p:nvPr>
+            <p:ph type="title"/>
+          </p:nvPr>
+        </p:nvSpPr>
+        <p:spPr>
+          <a:xfrm>
+            <a:off x="838200" y="365125"/>
+            <a:ext cx="10515600" cy="1006475"/>
+          </a:xfrm>
+        </p:spPr>
+        <p:txBody>
+          <a:bodyPr>
+            <a:normAutofit fontScale="90000"/>
+          </a:bodyPr>
+          <a:lstStyle/>
+          <a:p>
+            <a:pPr algn="ctr"/>
+            <a:r>
+              <a:rPr lang="en-US" sz="3600" b="1" dirty="0">
+                <a:solidFill>
+                  <a:srgbClr val="002060"/>
+                </a:solidFill>
+                <a:latin typeface="Bookman Old Style" panose="02050604050505020204" pitchFamily="18" charset="0"/>
+                <a:cs typeface="Times New Roman" panose="02020603050405020304" pitchFamily="18" charset="0"/>
+              </a:rPr>
+              <a:t>Very Special Case of Constructor in Inheritance (Solution)</a:t>
+            </a:r>
+          </a:p>
+        </p:txBody>
+      </p:sp>
+      <p:graphicFrame>
+        <p:nvGraphicFramePr>
+          <p:cNvPr id="5" name="Table 4">
+            <a:extLst>
+              <a:ext uri="{FF2B5EF4-FFF2-40B4-BE49-F238E27FC236}">
+                <a16:creationId xmlns:a16="http://schemas.microsoft.com/office/drawing/2014/main" id="{9102D91E-7E65-487D-8482-F2EC2E0013E1}"/>
+              </a:ext>
+            </a:extLst>
+          </p:cNvPr>
+          <p:cNvGraphicFramePr>
+            <a:graphicFrameLocks noGrp="1"/>
+          </p:cNvGraphicFramePr>
+          <p:nvPr/>
+        </p:nvGraphicFramePr>
+        <p:xfrm>
+          <a:off x="838200" y="1259174"/>
+          <a:ext cx="10329472" cy="4571999"/>
+        </p:xfrm>
+        <a:graphic>
+          <a:graphicData uri="http://schemas.openxmlformats.org/drawingml/2006/table">
+            <a:tbl>
+              <a:tblPr firstRow="1" firstCol="1" lastRow="1" lastCol="1" bandRow="1" bandCol="1">
+                <a:tableStyleId>{2D5ABB26-0587-4C30-8999-92F81FD0307C}</a:tableStyleId>
+              </a:tblPr>
+              <a:tblGrid>
+                <a:gridCol w="10329472">
+                  <a:extLst>
+                    <a:ext uri="{9D8B030D-6E8A-4147-A177-3AD203B41FA5}">
+                      <a16:colId xmlns:a16="http://schemas.microsoft.com/office/drawing/2014/main" val="4125567942"/>
+                    </a:ext>
+                  </a:extLst>
+                </a:gridCol>
+              </a:tblGrid>
+              <a:tr h="542196">
+                <a:tc>
+                  <a:txBody>
+                    <a:bodyPr/>
+                    <a:lstStyle/>
+                    <a:p>
+                      <a:pPr marL="0" marR="0" algn="just">
+                        <a:lnSpc>
+                          <a:spcPct val="107000"/>
+                        </a:lnSpc>
+                        <a:spcBef>
+                          <a:spcPts val="0"/>
+                        </a:spcBef>
+                        <a:spcAft>
+                          <a:spcPts val="0"/>
+                        </a:spcAft>
+                      </a:pPr>
+                      <a:endParaRPr lang="en-US" sz="1800" b="0" dirty="0">
+                        <a:effectLst/>
+                        <a:latin typeface="Bookman Old Style" panose="02050604050505020204" pitchFamily="18" charset="0"/>
+                        <a:ea typeface="Times New Roman" panose="02020603050405020304" pitchFamily="18" charset="0"/>
+                        <a:cs typeface="Times New Roman" panose="02020603050405020304" pitchFamily="18" charset="0"/>
+                      </a:endParaRPr>
+                    </a:p>
+                  </a:txBody>
+                  <a:tcPr marL="68580" marR="68580" marT="0" marB="0"/>
+                </a:tc>
+                <a:extLst>
+                  <a:ext uri="{0D108BD9-81ED-4DB2-BD59-A6C34878D82A}">
+                    <a16:rowId xmlns:a16="http://schemas.microsoft.com/office/drawing/2014/main" val="275508148"/>
+                  </a:ext>
+                </a:extLst>
+              </a:tr>
+              <a:tr h="1625808">
+                <a:tc>
+                  <a:txBody>
+                    <a:bodyPr/>
+                    <a:lstStyle/>
+                    <a:p>
+                      <a:pPr marL="0" marR="0" algn="just">
+                        <a:lnSpc>
+                          <a:spcPct val="107000"/>
+                        </a:lnSpc>
+                        <a:spcBef>
+                          <a:spcPts val="0"/>
+                        </a:spcBef>
+                        <a:spcAft>
+                          <a:spcPts val="800"/>
+                        </a:spcAft>
+                      </a:pPr>
+                      <a:endParaRPr lang="en-US" sz="1800" b="0" dirty="0">
+                        <a:effectLst/>
+                        <a:latin typeface="Bookman Old Style" panose="02050604050505020204" pitchFamily="18" charset="0"/>
+                        <a:ea typeface="Times New Roman" panose="02020603050405020304" pitchFamily="18" charset="0"/>
+                        <a:cs typeface="Times New Roman" panose="02020603050405020304" pitchFamily="18" charset="0"/>
+                      </a:endParaRPr>
+                    </a:p>
+                  </a:txBody>
+                  <a:tcPr marL="68580" marR="68580" marT="0" marB="0"/>
+                </a:tc>
+                <a:extLst>
+                  <a:ext uri="{0D108BD9-81ED-4DB2-BD59-A6C34878D82A}">
+                    <a16:rowId xmlns:a16="http://schemas.microsoft.com/office/drawing/2014/main" val="3631895170"/>
+                  </a:ext>
+                </a:extLst>
+              </a:tr>
+              <a:tr h="1738928">
+                <a:tc>
+                  <a:txBody>
+                    <a:bodyPr/>
+                    <a:lstStyle/>
+                    <a:p>
+                      <a:pPr marL="0" marR="0" algn="just">
+                        <a:lnSpc>
+                          <a:spcPct val="115000"/>
+                        </a:lnSpc>
+                        <a:spcBef>
+                          <a:spcPts val="0"/>
+                        </a:spcBef>
+                        <a:spcAft>
+                          <a:spcPts val="0"/>
+                        </a:spcAft>
+                      </a:pPr>
+                      <a:endParaRPr lang="en-US" sz="1800" b="0" dirty="0">
+                        <a:effectLst/>
+                        <a:latin typeface="Bookman Old Style" panose="02050604050505020204" pitchFamily="18" charset="0"/>
+                        <a:ea typeface="Times New Roman" panose="02020603050405020304" pitchFamily="18" charset="0"/>
+                        <a:cs typeface="Times New Roman" panose="02020603050405020304" pitchFamily="18" charset="0"/>
+                      </a:endParaRPr>
+                    </a:p>
+                  </a:txBody>
+                  <a:tcPr marL="68580" marR="68580" marT="0" marB="0"/>
+                </a:tc>
+                <a:extLst>
+                  <a:ext uri="{0D108BD9-81ED-4DB2-BD59-A6C34878D82A}">
+                    <a16:rowId xmlns:a16="http://schemas.microsoft.com/office/drawing/2014/main" val="2720052037"/>
+                  </a:ext>
+                </a:extLst>
+              </a:tr>
+              <a:tr h="665067">
+                <a:tc>
+                  <a:txBody>
+                    <a:bodyPr/>
+                    <a:lstStyle/>
+                    <a:p>
+                      <a:pPr marL="0" marR="0" algn="just">
+                        <a:lnSpc>
+                          <a:spcPct val="107000"/>
+                        </a:lnSpc>
+                        <a:spcBef>
+                          <a:spcPts val="0"/>
+                        </a:spcBef>
+                        <a:spcAft>
+                          <a:spcPts val="800"/>
+                        </a:spcAft>
+                      </a:pPr>
+                      <a:endParaRPr lang="en-US" sz="1800" b="0" dirty="0">
+                        <a:effectLst/>
+                        <a:latin typeface="Bookman Old Style" panose="02050604050505020204" pitchFamily="18" charset="0"/>
+                        <a:ea typeface="Times New Roman" panose="02020603050405020304" pitchFamily="18" charset="0"/>
+                        <a:cs typeface="Times New Roman" panose="02020603050405020304" pitchFamily="18" charset="0"/>
+                      </a:endParaRPr>
+                    </a:p>
+                  </a:txBody>
+                  <a:tcPr marL="68580" marR="68580" marT="0" marB="0"/>
+                </a:tc>
+                <a:extLst>
+                  <a:ext uri="{0D108BD9-81ED-4DB2-BD59-A6C34878D82A}">
+                    <a16:rowId xmlns:a16="http://schemas.microsoft.com/office/drawing/2014/main" val="1424965394"/>
+                  </a:ext>
+                </a:extLst>
+              </a:tr>
+            </a:tbl>
+          </a:graphicData>
+        </a:graphic>
+      </p:graphicFrame>
+      <p:pic>
+        <p:nvPicPr>
+          <p:cNvPr id="4" name="Picture 3">
+            <a:extLst>
+              <a:ext uri="{FF2B5EF4-FFF2-40B4-BE49-F238E27FC236}">
+                <a16:creationId xmlns:a16="http://schemas.microsoft.com/office/drawing/2014/main" id="{4E6A53F1-FEAB-7FBD-EAEC-D2BB5CFA7E8D}"/>
+              </a:ext>
+            </a:extLst>
+          </p:cNvPr>
+          <p:cNvPicPr>
+            <a:picLocks noChangeAspect="1"/>
+          </p:cNvPicPr>
+          <p:nvPr/>
+        </p:nvPicPr>
+        <p:blipFill>
+          <a:blip r:embed="rId2"/>
+          <a:stretch>
+            <a:fillRect/>
+          </a:stretch>
+        </p:blipFill>
+        <p:spPr>
+          <a:xfrm>
+            <a:off x="1385887" y="1873250"/>
+            <a:ext cx="9420225" cy="4619625"/>
+          </a:xfrm>
+          <a:prstGeom prst="rect">
+            <a:avLst/>
+          </a:prstGeom>
+        </p:spPr>
+      </p:pic>
+    </p:spTree>
+    <p:extLst>
+      <p:ext uri="{BB962C8B-B14F-4D97-AF65-F5344CB8AC3E}">
+        <p14:creationId xmlns:p14="http://schemas.microsoft.com/office/powerpoint/2010/main" val="3802401273"/>
+      </p:ext>
+    </p:extLst>
+  </p:cSld>
+  <p:clrMapOvr>
+    <a:masterClrMapping/>
+  </p:clrMapOvr>
+</p:sld>
+</file>
+
+<file path=ppt/slides/slide15.xml><?xml version="1.0" encoding="utf-8"?>
+<p:sld xmlns:a="http://schemas.openxmlformats.org/drawingml/2006/main" xmlns:r="http://schemas.openxmlformats.org/officeDocument/2006/relationships" xmlns:p="http://schemas.openxmlformats.org/presentationml/2006/main">
+  <p:cSld>
+    <p:spTree>
+      <p:nvGrpSpPr>
+        <p:cNvPr id="1" name=""/>
+        <p:cNvGrpSpPr/>
+        <p:nvPr/>
+      </p:nvGrpSpPr>
+      <p:grpSpPr>
+        <a:xfrm>
+          <a:off x="0" y="0"/>
+          <a:ext cx="0" cy="0"/>
+          <a:chOff x="0" y="0"/>
+          <a:chExt cx="0" cy="0"/>
+        </a:xfrm>
+      </p:grpSpPr>
+      <p:sp>
+        <p:nvSpPr>
+          <p:cNvPr id="2" name="Title 1"/>
+          <p:cNvSpPr>
+            <a:spLocks noGrp="1"/>
+          </p:cNvSpPr>
+          <p:nvPr>
+            <p:ph type="title"/>
+          </p:nvPr>
+        </p:nvSpPr>
+        <p:spPr>
+          <a:xfrm>
+            <a:off x="838200" y="365125"/>
+            <a:ext cx="10515600" cy="1006475"/>
+          </a:xfrm>
+        </p:spPr>
+        <p:txBody>
+          <a:bodyPr>
+            <a:normAutofit fontScale="90000"/>
+          </a:bodyPr>
+          <a:lstStyle/>
+          <a:p>
+            <a:pPr algn="ctr"/>
+            <a:r>
+              <a:rPr lang="en-US" sz="3600" b="1" dirty="0">
+                <a:solidFill>
+                  <a:srgbClr val="002060"/>
+                </a:solidFill>
+                <a:latin typeface="Bookman Old Style" panose="02050604050505020204" pitchFamily="18" charset="0"/>
+                <a:cs typeface="Times New Roman" panose="02020603050405020304" pitchFamily="18" charset="0"/>
+              </a:rPr>
+              <a:t>Very Special Case of Constructor in Inheritance (Solution)</a:t>
+            </a:r>
+          </a:p>
+        </p:txBody>
+      </p:sp>
+      <p:graphicFrame>
+        <p:nvGraphicFramePr>
+          <p:cNvPr id="5" name="Table 4">
+            <a:extLst>
+              <a:ext uri="{FF2B5EF4-FFF2-40B4-BE49-F238E27FC236}">
+                <a16:creationId xmlns:a16="http://schemas.microsoft.com/office/drawing/2014/main" id="{9102D91E-7E65-487D-8482-F2EC2E0013E1}"/>
+              </a:ext>
+            </a:extLst>
+          </p:cNvPr>
+          <p:cNvGraphicFramePr>
+            <a:graphicFrameLocks noGrp="1"/>
+          </p:cNvGraphicFramePr>
+          <p:nvPr/>
+        </p:nvGraphicFramePr>
+        <p:xfrm>
+          <a:off x="838200" y="1259174"/>
+          <a:ext cx="10329472" cy="4571999"/>
+        </p:xfrm>
+        <a:graphic>
+          <a:graphicData uri="http://schemas.openxmlformats.org/drawingml/2006/table">
+            <a:tbl>
+              <a:tblPr firstRow="1" firstCol="1" lastRow="1" lastCol="1" bandRow="1" bandCol="1">
+                <a:tableStyleId>{2D5ABB26-0587-4C30-8999-92F81FD0307C}</a:tableStyleId>
+              </a:tblPr>
+              <a:tblGrid>
+                <a:gridCol w="10329472">
+                  <a:extLst>
+                    <a:ext uri="{9D8B030D-6E8A-4147-A177-3AD203B41FA5}">
+                      <a16:colId xmlns:a16="http://schemas.microsoft.com/office/drawing/2014/main" val="4125567942"/>
+                    </a:ext>
+                  </a:extLst>
+                </a:gridCol>
+              </a:tblGrid>
+              <a:tr h="542196">
+                <a:tc>
+                  <a:txBody>
+                    <a:bodyPr/>
+                    <a:lstStyle/>
+                    <a:p>
+                      <a:pPr marL="0" marR="0" algn="just">
+                        <a:lnSpc>
+                          <a:spcPct val="107000"/>
+                        </a:lnSpc>
+                        <a:spcBef>
+                          <a:spcPts val="0"/>
+                        </a:spcBef>
+                        <a:spcAft>
+                          <a:spcPts val="0"/>
+                        </a:spcAft>
+                      </a:pPr>
+                      <a:endParaRPr lang="en-US" sz="1800" b="0" dirty="0">
+                        <a:effectLst/>
+                        <a:latin typeface="Bookman Old Style" panose="02050604050505020204" pitchFamily="18" charset="0"/>
+                        <a:ea typeface="Times New Roman" panose="02020603050405020304" pitchFamily="18" charset="0"/>
+                        <a:cs typeface="Times New Roman" panose="02020603050405020304" pitchFamily="18" charset="0"/>
+                      </a:endParaRPr>
+                    </a:p>
+                  </a:txBody>
+                  <a:tcPr marL="68580" marR="68580" marT="0" marB="0"/>
+                </a:tc>
+                <a:extLst>
+                  <a:ext uri="{0D108BD9-81ED-4DB2-BD59-A6C34878D82A}">
+                    <a16:rowId xmlns:a16="http://schemas.microsoft.com/office/drawing/2014/main" val="275508148"/>
+                  </a:ext>
+                </a:extLst>
+              </a:tr>
+              <a:tr h="1625808">
+                <a:tc>
+                  <a:txBody>
+                    <a:bodyPr/>
+                    <a:lstStyle/>
+                    <a:p>
+                      <a:pPr marL="0" marR="0" algn="just">
+                        <a:lnSpc>
+                          <a:spcPct val="107000"/>
+                        </a:lnSpc>
+                        <a:spcBef>
+                          <a:spcPts val="0"/>
+                        </a:spcBef>
+                        <a:spcAft>
+                          <a:spcPts val="800"/>
+                        </a:spcAft>
+                      </a:pPr>
+                      <a:endParaRPr lang="en-US" sz="1800" b="0" dirty="0">
+                        <a:effectLst/>
+                        <a:latin typeface="Bookman Old Style" panose="02050604050505020204" pitchFamily="18" charset="0"/>
+                        <a:ea typeface="Times New Roman" panose="02020603050405020304" pitchFamily="18" charset="0"/>
+                        <a:cs typeface="Times New Roman" panose="02020603050405020304" pitchFamily="18" charset="0"/>
+                      </a:endParaRPr>
+                    </a:p>
+                  </a:txBody>
+                  <a:tcPr marL="68580" marR="68580" marT="0" marB="0"/>
+                </a:tc>
+                <a:extLst>
+                  <a:ext uri="{0D108BD9-81ED-4DB2-BD59-A6C34878D82A}">
+                    <a16:rowId xmlns:a16="http://schemas.microsoft.com/office/drawing/2014/main" val="3631895170"/>
+                  </a:ext>
+                </a:extLst>
+              </a:tr>
+              <a:tr h="1738928">
+                <a:tc>
+                  <a:txBody>
+                    <a:bodyPr/>
+                    <a:lstStyle/>
+                    <a:p>
+                      <a:pPr marL="0" marR="0" algn="just">
+                        <a:lnSpc>
+                          <a:spcPct val="115000"/>
+                        </a:lnSpc>
+                        <a:spcBef>
+                          <a:spcPts val="0"/>
+                        </a:spcBef>
+                        <a:spcAft>
+                          <a:spcPts val="0"/>
+                        </a:spcAft>
+                      </a:pPr>
+                      <a:endParaRPr lang="en-US" sz="1800" b="0" dirty="0">
+                        <a:effectLst/>
+                        <a:latin typeface="Bookman Old Style" panose="02050604050505020204" pitchFamily="18" charset="0"/>
+                        <a:ea typeface="Times New Roman" panose="02020603050405020304" pitchFamily="18" charset="0"/>
+                        <a:cs typeface="Times New Roman" panose="02020603050405020304" pitchFamily="18" charset="0"/>
+                      </a:endParaRPr>
+                    </a:p>
+                  </a:txBody>
+                  <a:tcPr marL="68580" marR="68580" marT="0" marB="0"/>
+                </a:tc>
+                <a:extLst>
+                  <a:ext uri="{0D108BD9-81ED-4DB2-BD59-A6C34878D82A}">
+                    <a16:rowId xmlns:a16="http://schemas.microsoft.com/office/drawing/2014/main" val="2720052037"/>
+                  </a:ext>
+                </a:extLst>
+              </a:tr>
+              <a:tr h="665067">
+                <a:tc>
+                  <a:txBody>
+                    <a:bodyPr/>
+                    <a:lstStyle/>
+                    <a:p>
+                      <a:pPr marL="0" marR="0" algn="just">
+                        <a:lnSpc>
+                          <a:spcPct val="107000"/>
+                        </a:lnSpc>
+                        <a:spcBef>
+                          <a:spcPts val="0"/>
+                        </a:spcBef>
+                        <a:spcAft>
+                          <a:spcPts val="800"/>
+                        </a:spcAft>
+                      </a:pPr>
+                      <a:endParaRPr lang="en-US" sz="1800" b="0" dirty="0">
+                        <a:effectLst/>
+                        <a:latin typeface="Bookman Old Style" panose="02050604050505020204" pitchFamily="18" charset="0"/>
+                        <a:ea typeface="Times New Roman" panose="02020603050405020304" pitchFamily="18" charset="0"/>
+                        <a:cs typeface="Times New Roman" panose="02020603050405020304" pitchFamily="18" charset="0"/>
+                      </a:endParaRPr>
+                    </a:p>
+                  </a:txBody>
+                  <a:tcPr marL="68580" marR="68580" marT="0" marB="0"/>
+                </a:tc>
+                <a:extLst>
+                  <a:ext uri="{0D108BD9-81ED-4DB2-BD59-A6C34878D82A}">
+                    <a16:rowId xmlns:a16="http://schemas.microsoft.com/office/drawing/2014/main" val="1424965394"/>
+                  </a:ext>
+                </a:extLst>
+              </a:tr>
+            </a:tbl>
+          </a:graphicData>
+        </a:graphic>
+      </p:graphicFrame>
+      <p:pic>
+        <p:nvPicPr>
+          <p:cNvPr id="6" name="Picture 5">
+            <a:extLst>
+              <a:ext uri="{FF2B5EF4-FFF2-40B4-BE49-F238E27FC236}">
+                <a16:creationId xmlns:a16="http://schemas.microsoft.com/office/drawing/2014/main" id="{288E954F-1C1C-8170-16BC-50F7D2F06861}"/>
+              </a:ext>
+            </a:extLst>
+          </p:cNvPr>
+          <p:cNvPicPr>
+            <a:picLocks noChangeAspect="1"/>
+          </p:cNvPicPr>
+          <p:nvPr/>
+        </p:nvPicPr>
+        <p:blipFill>
+          <a:blip r:embed="rId2"/>
+          <a:stretch>
+            <a:fillRect/>
+          </a:stretch>
+        </p:blipFill>
+        <p:spPr>
+          <a:xfrm>
+            <a:off x="2800350" y="1997075"/>
+            <a:ext cx="6591300" cy="4495800"/>
+          </a:xfrm>
+          <a:prstGeom prst="rect">
+            <a:avLst/>
+          </a:prstGeom>
+        </p:spPr>
+      </p:pic>
+    </p:spTree>
+    <p:extLst>
+      <p:ext uri="{BB962C8B-B14F-4D97-AF65-F5344CB8AC3E}">
+        <p14:creationId xmlns:p14="http://schemas.microsoft.com/office/powerpoint/2010/main" val="1730974551"/>
+      </p:ext>
+    </p:extLst>
+  </p:cSld>
+  <p:clrMapOvr>
+    <a:masterClrMapping/>
+  </p:clrMapOvr>
+</p:sld>
+</file>
+
+<file path=ppt/slides/slide16.xml><?xml version="1.0" encoding="utf-8"?>
+<p:sld xmlns:a="http://schemas.openxmlformats.org/drawingml/2006/main" xmlns:r="http://schemas.openxmlformats.org/officeDocument/2006/relationships" xmlns:p="http://schemas.openxmlformats.org/presentationml/2006/main">
+  <p:cSld>
+    <p:spTree>
+      <p:nvGrpSpPr>
+        <p:cNvPr id="1" name=""/>
+        <p:cNvGrpSpPr/>
+        <p:nvPr/>
+      </p:nvGrpSpPr>
+      <p:grpSpPr>
+        <a:xfrm>
+          <a:off x="0" y="0"/>
+          <a:ext cx="0" cy="0"/>
+          <a:chOff x="0" y="0"/>
+          <a:chExt cx="0" cy="0"/>
+        </a:xfrm>
+      </p:grpSpPr>
+      <p:sp>
+        <p:nvSpPr>
+          <p:cNvPr id="2" name="Title 1"/>
+          <p:cNvSpPr>
+            <a:spLocks noGrp="1"/>
+          </p:cNvSpPr>
+          <p:nvPr>
+            <p:ph type="title"/>
+          </p:nvPr>
+        </p:nvSpPr>
+        <p:spPr>
+          <a:xfrm>
+            <a:off x="838200" y="365125"/>
+            <a:ext cx="10515600" cy="1006475"/>
+          </a:xfrm>
+        </p:spPr>
+        <p:txBody>
+          <a:bodyPr>
+            <a:normAutofit/>
+          </a:bodyPr>
+          <a:lstStyle/>
+          <a:p>
+            <a:pPr algn="ctr"/>
+            <a:r>
+              <a:rPr lang="en-US" sz="3600" b="1" dirty="0">
+                <a:solidFill>
+                  <a:srgbClr val="002060"/>
+                </a:solidFill>
+                <a:latin typeface="Bookman Old Style" panose="02050604050505020204" pitchFamily="18" charset="0"/>
+                <a:cs typeface="Times New Roman" panose="02020603050405020304" pitchFamily="18" charset="0"/>
+              </a:rPr>
+              <a:t>Practice Example (1)</a:t>
+            </a:r>
+          </a:p>
+        </p:txBody>
+      </p:sp>
+      <p:graphicFrame>
+        <p:nvGraphicFramePr>
+          <p:cNvPr id="5" name="Table 4">
+            <a:extLst>
+              <a:ext uri="{FF2B5EF4-FFF2-40B4-BE49-F238E27FC236}">
+                <a16:creationId xmlns:a16="http://schemas.microsoft.com/office/drawing/2014/main" id="{9102D91E-7E65-487D-8482-F2EC2E0013E1}"/>
+              </a:ext>
+            </a:extLst>
+          </p:cNvPr>
+          <p:cNvGraphicFramePr>
+            <a:graphicFrameLocks noGrp="1"/>
+          </p:cNvGraphicFramePr>
           <p:nvPr>
             <p:extLst>
               <p:ext uri="{D42A27DB-BD31-4B8C-83A1-F6EECF244321}">
-                <p14:modId xmlns:p14="http://schemas.microsoft.com/office/powerpoint/2010/main" val="271005714"/>
+                <p14:modId xmlns:p14="http://schemas.microsoft.com/office/powerpoint/2010/main" val="3791167078"/>
               </p:ext>
             </p:extLst>
           </p:nvPr>
@@ -3947,14 +4745,14 @@
                         </a:spcAft>
                       </a:pPr>
                       <a:r>
-                        <a:rPr lang="en-US" sz="2400" b="0" dirty="0">
+                        <a:rPr lang="en-US" sz="2400" b="1" dirty="0">
                           <a:effectLst/>
                           <a:latin typeface="Bookman Old Style" panose="02050604050505020204" pitchFamily="18" charset="0"/>
                           <a:cs typeface="Times New Roman" panose="02020603050405020304" pitchFamily="18" charset="0"/>
                         </a:rPr>
                         <a:t>Implement the following description using C++ language:</a:t>
                       </a:r>
-                      <a:endParaRPr lang="en-US" sz="1800" b="0" dirty="0">
+                      <a:endParaRPr lang="en-US" sz="1800" b="1" dirty="0">
                         <a:effectLst/>
                         <a:latin typeface="Bookman Old Style" panose="02050604050505020204" pitchFamily="18" charset="0"/>
                         <a:ea typeface="Times New Roman" panose="02020603050405020304" pitchFamily="18" charset="0"/>
@@ -4041,7 +4839,7 @@
                           <a:latin typeface="Bookman Old Style" panose="02050604050505020204" pitchFamily="18" charset="0"/>
                           <a:cs typeface="Times New Roman" panose="02020603050405020304" pitchFamily="18" charset="0"/>
                         </a:rPr>
-                        <a:t>() that can print the constructor's values.</a:t>
+                        <a:t>() that can print the constructor’s values.</a:t>
                       </a:r>
                       <a:endParaRPr lang="en-US" sz="1800" b="0" dirty="0">
                         <a:effectLst/>
@@ -4082,23 +4880,7 @@
                           <a:latin typeface="Bookman Old Style" panose="02050604050505020204" pitchFamily="18" charset="0"/>
                           <a:cs typeface="Times New Roman" panose="02020603050405020304" pitchFamily="18" charset="0"/>
                         </a:rPr>
-                        <a:t>Create another </a:t>
-                      </a:r>
-                      <a:r>
-                        <a:rPr lang="en-US" sz="2400" b="0">
-                          <a:effectLst/>
-                          <a:latin typeface="Bookman Old Style" panose="02050604050505020204" pitchFamily="18" charset="0"/>
-                          <a:cs typeface="Times New Roman" panose="02020603050405020304" pitchFamily="18" charset="0"/>
-                        </a:rPr>
-                        <a:t>class “Customer”. </a:t>
-                      </a:r>
-                      <a:r>
-                        <a:rPr lang="en-US" sz="2400" b="0" dirty="0">
-                          <a:effectLst/>
-                          <a:latin typeface="Bookman Old Style" panose="02050604050505020204" pitchFamily="18" charset="0"/>
-                          <a:cs typeface="Times New Roman" panose="02020603050405020304" pitchFamily="18" charset="0"/>
-                        </a:rPr>
-                        <a:t>Declare class constructor that can take two parameters like </a:t>
+                        <a:t>Create another class “Customer”. Declare class constructor that can take two parameters like </a:t>
                       </a:r>
                       <a:r>
                         <a:rPr lang="en-US" sz="2400" b="0" dirty="0" err="1">
@@ -4114,23 +4896,7 @@
                           <a:latin typeface="Bookman Old Style" panose="02050604050505020204" pitchFamily="18" charset="0"/>
                           <a:cs typeface="Times New Roman" panose="02020603050405020304" pitchFamily="18" charset="0"/>
                         </a:rPr>
-                        <a:t> and Amount. And write a function </a:t>
-                      </a:r>
-                      <a:r>
-                        <a:rPr lang="en-US" sz="2400" b="0" dirty="0" err="1">
-                          <a:effectLst/>
-                          <a:latin typeface="Bookman Old Style" panose="02050604050505020204" pitchFamily="18" charset="0"/>
-                          <a:cs typeface="Times New Roman" panose="02020603050405020304" pitchFamily="18" charset="0"/>
-                        </a:rPr>
-                        <a:t>Print_Values</a:t>
-                      </a:r>
-                      <a:r>
-                        <a:rPr lang="en-US" sz="2400" b="0" dirty="0">
-                          <a:effectLst/>
-                          <a:latin typeface="Bookman Old Style" panose="02050604050505020204" pitchFamily="18" charset="0"/>
-                          <a:cs typeface="Times New Roman" panose="02020603050405020304" pitchFamily="18" charset="0"/>
-                        </a:rPr>
-                        <a:t>() that can print the constructor's values. Inherit the Bank class from the Customer class.</a:t>
+                        <a:t> and Amount. And write a function Print_Values2() that can print the constructor’s values. Inherit the Bank class from the Customer class.</a:t>
                       </a:r>
                       <a:endParaRPr lang="en-US" sz="1800" b="0" dirty="0">
                         <a:effectLst/>
@@ -4171,23 +4937,7 @@
                           <a:latin typeface="Bookman Old Style" panose="02050604050505020204" pitchFamily="18" charset="0"/>
                           <a:cs typeface="Times New Roman" panose="02020603050405020304" pitchFamily="18" charset="0"/>
                         </a:rPr>
-                        <a:t>By creating the main function call the </a:t>
-                      </a:r>
-                      <a:r>
-                        <a:rPr lang="en-US" sz="2400" b="0" dirty="0" err="1">
-                          <a:effectLst/>
-                          <a:latin typeface="Bookman Old Style" panose="02050604050505020204" pitchFamily="18" charset="0"/>
-                          <a:cs typeface="Times New Roman" panose="02020603050405020304" pitchFamily="18" charset="0"/>
-                        </a:rPr>
-                        <a:t>Print_Values</a:t>
-                      </a:r>
-                      <a:r>
-                        <a:rPr lang="en-US" sz="2400" b="0" dirty="0">
-                          <a:effectLst/>
-                          <a:latin typeface="Bookman Old Style" panose="02050604050505020204" pitchFamily="18" charset="0"/>
-                          <a:cs typeface="Times New Roman" panose="02020603050405020304" pitchFamily="18" charset="0"/>
-                        </a:rPr>
-                        <a:t> function of the Bank class.</a:t>
+                        <a:t>By creating the main function call the Print_Values2 function of the Customer class.</a:t>
                       </a:r>
                       <a:endParaRPr lang="en-US" sz="1800" b="0" dirty="0">
                         <a:effectLst/>
@@ -4222,7 +4972,7 @@
 </p:sld>
 </file>
 
-<file path=ppt/slides/slide14.xml><?xml version="1.0" encoding="utf-8"?>
+<file path=ppt/slides/slide17.xml><?xml version="1.0" encoding="utf-8"?>
 <p:sld xmlns:a="http://schemas.openxmlformats.org/drawingml/2006/main" xmlns:r="http://schemas.openxmlformats.org/officeDocument/2006/relationships" xmlns:p="http://schemas.openxmlformats.org/presentationml/2006/main">
   <p:cSld>
     <p:spTree>
@@ -4426,7 +5176,7 @@
 </p:sld>
 </file>
 
-<file path=ppt/slides/slide15.xml><?xml version="1.0" encoding="utf-8"?>
+<file path=ppt/slides/slide18.xml><?xml version="1.0" encoding="utf-8"?>
 <p:sld xmlns:a="http://schemas.openxmlformats.org/drawingml/2006/main" xmlns:r="http://schemas.openxmlformats.org/officeDocument/2006/relationships" xmlns:p="http://schemas.openxmlformats.org/presentationml/2006/main">
   <p:cSld>
     <p:spTree>
